--- a/Project Progress Report.pptx
+++ b/Project Progress Report.pptx
@@ -5,7 +5,7 @@
     <p:sldMasterId id="2147483648" r:id="rId1"/>
   </p:sldMasterIdLst>
   <p:notesMasterIdLst>
-    <p:notesMasterId r:id="rId15"/>
+    <p:notesMasterId r:id="rId17"/>
   </p:notesMasterIdLst>
   <p:sldIdLst>
     <p:sldId id="274" r:id="rId2"/>
@@ -19,8 +19,10 @@
     <p:sldId id="264" r:id="rId10"/>
     <p:sldId id="265" r:id="rId11"/>
     <p:sldId id="266" r:id="rId12"/>
-    <p:sldId id="267" r:id="rId13"/>
-    <p:sldId id="271" r:id="rId14"/>
+    <p:sldId id="277" r:id="rId13"/>
+    <p:sldId id="267" r:id="rId14"/>
+    <p:sldId id="278" r:id="rId15"/>
+    <p:sldId id="271" r:id="rId16"/>
   </p:sldIdLst>
   <p:sldSz cx="9144000" cy="6858000" type="screen4x3"/>
   <p:notesSz cx="6858000" cy="9144000"/>
@@ -204,7 +206,7 @@
           <a:p>
             <a:fld id="{DE6286B4-102C-FF41-B157-7540B4011C6B}" type="datetimeFigureOut">
               <a:rPr lang="en-US" smtClean="0"/>
-              <a:t>3/17/16</a:t>
+              <a:t>3/20/16</a:t>
             </a:fld>
             <a:endParaRPr lang="en-US"/>
           </a:p>
@@ -737,7 +739,7 @@
           <a:p>
             <a:fld id="{9FD4C8FA-35F4-7E48-AE7D-E97B98BC7C86}" type="datetimeFigureOut">
               <a:rPr lang="en-US" smtClean="0"/>
-              <a:t>3/17/16</a:t>
+              <a:t>3/20/16</a:t>
             </a:fld>
             <a:endParaRPr lang="en-US"/>
           </a:p>
@@ -907,7 +909,7 @@
           <a:p>
             <a:fld id="{9FD4C8FA-35F4-7E48-AE7D-E97B98BC7C86}" type="datetimeFigureOut">
               <a:rPr lang="en-US" smtClean="0"/>
-              <a:t>3/17/16</a:t>
+              <a:t>3/20/16</a:t>
             </a:fld>
             <a:endParaRPr lang="en-US"/>
           </a:p>
@@ -1087,7 +1089,7 @@
           <a:p>
             <a:fld id="{9FD4C8FA-35F4-7E48-AE7D-E97B98BC7C86}" type="datetimeFigureOut">
               <a:rPr lang="en-US" smtClean="0"/>
-              <a:t>3/17/16</a:t>
+              <a:t>3/20/16</a:t>
             </a:fld>
             <a:endParaRPr lang="en-US"/>
           </a:p>
@@ -1257,7 +1259,7 @@
           <a:p>
             <a:fld id="{9FD4C8FA-35F4-7E48-AE7D-E97B98BC7C86}" type="datetimeFigureOut">
               <a:rPr lang="en-US" smtClean="0"/>
-              <a:t>3/17/16</a:t>
+              <a:t>3/20/16</a:t>
             </a:fld>
             <a:endParaRPr lang="en-US"/>
           </a:p>
@@ -1503,7 +1505,7 @@
           <a:p>
             <a:fld id="{9FD4C8FA-35F4-7E48-AE7D-E97B98BC7C86}" type="datetimeFigureOut">
               <a:rPr lang="en-US" smtClean="0"/>
-              <a:t>3/17/16</a:t>
+              <a:t>3/20/16</a:t>
             </a:fld>
             <a:endParaRPr lang="en-US"/>
           </a:p>
@@ -1791,7 +1793,7 @@
           <a:p>
             <a:fld id="{9FD4C8FA-35F4-7E48-AE7D-E97B98BC7C86}" type="datetimeFigureOut">
               <a:rPr lang="en-US" smtClean="0"/>
-              <a:t>3/17/16</a:t>
+              <a:t>3/20/16</a:t>
             </a:fld>
             <a:endParaRPr lang="en-US"/>
           </a:p>
@@ -2213,7 +2215,7 @@
           <a:p>
             <a:fld id="{9FD4C8FA-35F4-7E48-AE7D-E97B98BC7C86}" type="datetimeFigureOut">
               <a:rPr lang="en-US" smtClean="0"/>
-              <a:t>3/17/16</a:t>
+              <a:t>3/20/16</a:t>
             </a:fld>
             <a:endParaRPr lang="en-US"/>
           </a:p>
@@ -2331,7 +2333,7 @@
           <a:p>
             <a:fld id="{9FD4C8FA-35F4-7E48-AE7D-E97B98BC7C86}" type="datetimeFigureOut">
               <a:rPr lang="en-US" smtClean="0"/>
-              <a:t>3/17/16</a:t>
+              <a:t>3/20/16</a:t>
             </a:fld>
             <a:endParaRPr lang="en-US"/>
           </a:p>
@@ -2426,7 +2428,7 @@
           <a:p>
             <a:fld id="{9FD4C8FA-35F4-7E48-AE7D-E97B98BC7C86}" type="datetimeFigureOut">
               <a:rPr lang="en-US" smtClean="0"/>
-              <a:t>3/17/16</a:t>
+              <a:t>3/20/16</a:t>
             </a:fld>
             <a:endParaRPr lang="en-US"/>
           </a:p>
@@ -2703,7 +2705,7 @@
           <a:p>
             <a:fld id="{9FD4C8FA-35F4-7E48-AE7D-E97B98BC7C86}" type="datetimeFigureOut">
               <a:rPr lang="en-US" smtClean="0"/>
-              <a:t>3/17/16</a:t>
+              <a:t>3/20/16</a:t>
             </a:fld>
             <a:endParaRPr lang="en-US"/>
           </a:p>
@@ -2956,7 +2958,7 @@
           <a:p>
             <a:fld id="{9FD4C8FA-35F4-7E48-AE7D-E97B98BC7C86}" type="datetimeFigureOut">
               <a:rPr lang="en-US" smtClean="0"/>
-              <a:t>3/17/16</a:t>
+              <a:t>3/20/16</a:t>
             </a:fld>
             <a:endParaRPr lang="en-US"/>
           </a:p>
@@ -3169,7 +3171,7 @@
           <a:p>
             <a:fld id="{9FD4C8FA-35F4-7E48-AE7D-E97B98BC7C86}" type="datetimeFigureOut">
               <a:rPr lang="en-US" smtClean="0"/>
-              <a:t>3/17/16</a:t>
+              <a:t>3/20/16</a:t>
             </a:fld>
             <a:endParaRPr lang="en-US"/>
           </a:p>
@@ -3661,7 +3663,7 @@
           <a:p>
             <a:r>
               <a:rPr lang="en-US" dirty="0" smtClean="0"/>
-              <a:t>Delete a Track</a:t>
+              <a:t>Delete a Layer</a:t>
             </a:r>
             <a:endParaRPr lang="en-US" dirty="0"/>
           </a:p>
@@ -3677,40 +3679,51 @@
             <p:ph idx="1"/>
           </p:nvPr>
         </p:nvSpPr>
-        <p:spPr/>
-        <p:txBody>
-          <a:bodyPr/>
+        <p:spPr>
+          <a:xfrm>
+            <a:off x="457200" y="1600200"/>
+            <a:ext cx="8229600" cy="4900631"/>
+          </a:xfrm>
+        </p:spPr>
+        <p:txBody>
+          <a:bodyPr>
+            <a:normAutofit lnSpcReduction="10000"/>
+          </a:bodyPr>
           <a:lstStyle/>
           <a:p>
             <a:r>
               <a:rPr lang="en-US" dirty="0" smtClean="0"/>
-              <a:t>Removes record from the Layer table</a:t>
+              <a:t>Cannot delete a layer because other layers refer to this layer, and need to be able to see all of the layers in the family of layers to understand “family tree” and history behind the layer.</a:t>
             </a:r>
           </a:p>
           <a:p>
             <a:r>
               <a:rPr lang="en-US" dirty="0" smtClean="0"/>
-              <a:t>Removes record from the Layer Junction table</a:t>
-            </a:r>
-          </a:p>
-          <a:p>
-            <a:pPr lvl="1"/>
+              <a:t>Since layers cannot be deleted, we will be showing the User’s ability to delete a </a:t>
+            </a:r>
+            <a:r>
+              <a:rPr lang="en-US" dirty="0" err="1" smtClean="0"/>
+              <a:t>hashtag</a:t>
+            </a:r>
             <a:r>
               <a:rPr lang="en-US" dirty="0" smtClean="0"/>
-              <a:t>Any reference to the record is deleted because the layer no longer exists</a:t>
-            </a:r>
-          </a:p>
-          <a:p>
+              <a:t> on a layer,</a:t>
+            </a:r>
+            <a:r>
+              <a:rPr lang="en-US" dirty="0"/>
+              <a:t> </a:t>
+            </a:r>
             <a:r>
               <a:rPr lang="en-US" dirty="0" smtClean="0"/>
-              <a:t>ON THE FRONT END</a:t>
-            </a:r>
-          </a:p>
-          <a:p>
-            <a:pPr lvl="1"/>
+              <a:t>and how this is shown in the database by deleting a “</a:t>
+            </a:r>
+            <a:r>
+              <a:rPr lang="en-US" dirty="0" err="1" smtClean="0"/>
+              <a:t>Hashtag</a:t>
+            </a:r>
             <a:r>
               <a:rPr lang="en-US" dirty="0" smtClean="0"/>
-              <a:t>Nice to show that record existed but was deleted????????</a:t>
+              <a:t>/Layer” record in the database.</a:t>
             </a:r>
             <a:endParaRPr lang="en-US" dirty="0"/>
           </a:p>
@@ -3763,7 +3776,7 @@
           <a:p>
             <a:r>
               <a:rPr lang="en-US" dirty="0" smtClean="0"/>
-              <a:t>Read a Track</a:t>
+              <a:t>Read a Layer</a:t>
             </a:r>
             <a:endParaRPr lang="en-US" dirty="0"/>
           </a:p>
@@ -3839,7 +3852,7 @@
           <a:p>
             <a:r>
               <a:rPr lang="en-US" dirty="0" smtClean="0"/>
-              <a:t>Views</a:t>
+              <a:t>Create a User</a:t>
             </a:r>
             <a:endParaRPr lang="en-US" dirty="0"/>
           </a:p>
@@ -3862,13 +3875,49 @@
           <a:p>
             <a:r>
               <a:rPr lang="en-US" dirty="0" smtClean="0"/>
-              <a:t>User can see own songs</a:t>
-            </a:r>
-          </a:p>
-          <a:p>
+              <a:t>User enters information into the provided boxes and clicks Create </a:t>
+            </a:r>
             <a:r>
               <a:rPr lang="en-US" dirty="0" smtClean="0"/>
-              <a:t>User can see all songs in the database</a:t>
+              <a:t>Account</a:t>
+            </a:r>
+          </a:p>
+          <a:p>
+            <a:pPr lvl="1"/>
+            <a:r>
+              <a:rPr lang="en-US" dirty="0" smtClean="0"/>
+              <a:t>Provided information:</a:t>
+            </a:r>
+          </a:p>
+          <a:p>
+            <a:pPr lvl="2"/>
+            <a:r>
+              <a:rPr lang="en-US" dirty="0" smtClean="0"/>
+              <a:t>Username, User Password, First Name, Last Name, Date of Birth</a:t>
+            </a:r>
+            <a:endParaRPr lang="en-US" dirty="0" smtClean="0"/>
+          </a:p>
+          <a:p>
+            <a:pPr lvl="1"/>
+            <a:r>
+              <a:rPr lang="en-US" dirty="0" smtClean="0"/>
+              <a:t>A new </a:t>
+            </a:r>
+            <a:r>
+              <a:rPr lang="en-US" dirty="0" smtClean="0"/>
+              <a:t>user record </a:t>
+            </a:r>
+            <a:r>
+              <a:rPr lang="en-US" dirty="0" smtClean="0"/>
+              <a:t>is created in </a:t>
+            </a:r>
+            <a:r>
+              <a:rPr lang="en-US" dirty="0" smtClean="0"/>
+              <a:t>the User table in the </a:t>
+            </a:r>
+            <a:r>
+              <a:rPr lang="en-US" dirty="0" smtClean="0"/>
+              <a:t>database with all of the provided information</a:t>
             </a:r>
             <a:endParaRPr lang="en-US" dirty="0"/>
           </a:p>
@@ -3877,7 +3926,7 @@
     </p:spTree>
     <p:extLst>
       <p:ext uri="{BB962C8B-B14F-4D97-AF65-F5344CB8AC3E}">
-        <p14:creationId xmlns:p14="http://schemas.microsoft.com/office/powerpoint/2010/main" val="3134704972"/>
+        <p14:creationId xmlns:p14="http://schemas.microsoft.com/office/powerpoint/2010/main" val="253454443"/>
       </p:ext>
     </p:extLst>
   </p:cSld>
@@ -3921,7 +3970,7 @@
           <a:p>
             <a:r>
               <a:rPr lang="en-US" dirty="0" smtClean="0"/>
-              <a:t>Technical Specifications</a:t>
+              <a:t>Views</a:t>
             </a:r>
             <a:endParaRPr lang="en-US" dirty="0"/>
           </a:p>
@@ -3943,6 +3992,180 @@
           <a:lstStyle/>
           <a:p>
             <a:r>
+              <a:rPr lang="en-US" dirty="0" smtClean="0"/>
+              <a:t>User can see own songs</a:t>
+            </a:r>
+          </a:p>
+          <a:p>
+            <a:r>
+              <a:rPr lang="en-US" dirty="0" smtClean="0"/>
+              <a:t>User can see all songs in the database</a:t>
+            </a:r>
+            <a:endParaRPr lang="en-US" dirty="0"/>
+          </a:p>
+        </p:txBody>
+      </p:sp>
+    </p:spTree>
+    <p:extLst>
+      <p:ext uri="{BB962C8B-B14F-4D97-AF65-F5344CB8AC3E}">
+        <p14:creationId xmlns:p14="http://schemas.microsoft.com/office/powerpoint/2010/main" val="3134704972"/>
+      </p:ext>
+    </p:extLst>
+  </p:cSld>
+  <p:clrMapOvr>
+    <a:masterClrMapping/>
+  </p:clrMapOvr>
+</p:sld>
+</file>
+
+<file path=ppt/slides/slide14.xml><?xml version="1.0" encoding="utf-8"?>
+<p:sld xmlns:a="http://schemas.openxmlformats.org/drawingml/2006/main" xmlns:r="http://schemas.openxmlformats.org/officeDocument/2006/relationships" xmlns:p="http://schemas.openxmlformats.org/presentationml/2006/main">
+  <p:cSld>
+    <p:spTree>
+      <p:nvGrpSpPr>
+        <p:cNvPr id="1" name=""/>
+        <p:cNvGrpSpPr/>
+        <p:nvPr/>
+      </p:nvGrpSpPr>
+      <p:grpSpPr>
+        <a:xfrm>
+          <a:off x="0" y="0"/>
+          <a:ext cx="0" cy="0"/>
+          <a:chOff x="0" y="0"/>
+          <a:chExt cx="0" cy="0"/>
+        </a:xfrm>
+      </p:grpSpPr>
+      <p:sp>
+        <p:nvSpPr>
+          <p:cNvPr id="2" name="Title 1"/>
+          <p:cNvSpPr>
+            <a:spLocks noGrp="1"/>
+          </p:cNvSpPr>
+          <p:nvPr>
+            <p:ph type="title"/>
+          </p:nvPr>
+        </p:nvSpPr>
+        <p:spPr/>
+        <p:txBody>
+          <a:bodyPr/>
+          <a:lstStyle/>
+          <a:p>
+            <a:r>
+              <a:rPr lang="en-US" dirty="0" smtClean="0"/>
+              <a:t>Focus of Project</a:t>
+            </a:r>
+            <a:endParaRPr lang="en-US" dirty="0"/>
+          </a:p>
+        </p:txBody>
+      </p:sp>
+      <p:sp>
+        <p:nvSpPr>
+          <p:cNvPr id="3" name="Content Placeholder 2"/>
+          <p:cNvSpPr>
+            <a:spLocks noGrp="1"/>
+          </p:cNvSpPr>
+          <p:nvPr>
+            <p:ph idx="1"/>
+          </p:nvPr>
+        </p:nvSpPr>
+        <p:spPr/>
+        <p:txBody>
+          <a:bodyPr>
+            <a:normAutofit fontScale="85000" lnSpcReduction="20000"/>
+          </a:bodyPr>
+          <a:lstStyle/>
+          <a:p>
+            <a:r>
+              <a:rPr lang="en-US" dirty="0" smtClean="0"/>
+              <a:t>The focus of our project is how users create and interact with Layers and the functionality around the Layers (i.e. </a:t>
+            </a:r>
+            <a:r>
+              <a:rPr lang="en-US" dirty="0" err="1" smtClean="0"/>
+              <a:t>Hashtags</a:t>
+            </a:r>
+            <a:r>
+              <a:rPr lang="en-US" dirty="0" smtClean="0"/>
+              <a:t>)</a:t>
+            </a:r>
+          </a:p>
+          <a:p>
+            <a:r>
+              <a:rPr lang="en-US" dirty="0" smtClean="0"/>
+              <a:t>While the User table itself would in reality have much more complexity (such as Active/Inactive field, and a Created Date field), and the functionality around it would be greater (such as being able to update provided information, and delete a user account, which would create an inactive user rather than actually deleting the User in the database), these items are not the focus of the project and are therefore out of scope although we are cognizant of their effect on a model that would be implemented in reality.</a:t>
+            </a:r>
+            <a:endParaRPr lang="en-US" dirty="0"/>
+          </a:p>
+        </p:txBody>
+      </p:sp>
+    </p:spTree>
+    <p:extLst>
+      <p:ext uri="{BB962C8B-B14F-4D97-AF65-F5344CB8AC3E}">
+        <p14:creationId xmlns:p14="http://schemas.microsoft.com/office/powerpoint/2010/main" val="2543575441"/>
+      </p:ext>
+    </p:extLst>
+  </p:cSld>
+  <p:clrMapOvr>
+    <a:masterClrMapping/>
+  </p:clrMapOvr>
+</p:sld>
+</file>
+
+<file path=ppt/slides/slide15.xml><?xml version="1.0" encoding="utf-8"?>
+<p:sld xmlns:a="http://schemas.openxmlformats.org/drawingml/2006/main" xmlns:r="http://schemas.openxmlformats.org/officeDocument/2006/relationships" xmlns:p="http://schemas.openxmlformats.org/presentationml/2006/main">
+  <p:cSld>
+    <p:spTree>
+      <p:nvGrpSpPr>
+        <p:cNvPr id="1" name=""/>
+        <p:cNvGrpSpPr/>
+        <p:nvPr/>
+      </p:nvGrpSpPr>
+      <p:grpSpPr>
+        <a:xfrm>
+          <a:off x="0" y="0"/>
+          <a:ext cx="0" cy="0"/>
+          <a:chOff x="0" y="0"/>
+          <a:chExt cx="0" cy="0"/>
+        </a:xfrm>
+      </p:grpSpPr>
+      <p:sp>
+        <p:nvSpPr>
+          <p:cNvPr id="2" name="Title 1"/>
+          <p:cNvSpPr>
+            <a:spLocks noGrp="1"/>
+          </p:cNvSpPr>
+          <p:nvPr>
+            <p:ph type="title"/>
+          </p:nvPr>
+        </p:nvSpPr>
+        <p:spPr/>
+        <p:txBody>
+          <a:bodyPr/>
+          <a:lstStyle/>
+          <a:p>
+            <a:r>
+              <a:rPr lang="en-US" dirty="0" smtClean="0"/>
+              <a:t>Technical Specifications</a:t>
+            </a:r>
+            <a:endParaRPr lang="en-US" dirty="0"/>
+          </a:p>
+        </p:txBody>
+      </p:sp>
+      <p:sp>
+        <p:nvSpPr>
+          <p:cNvPr id="3" name="Content Placeholder 2"/>
+          <p:cNvSpPr>
+            <a:spLocks noGrp="1"/>
+          </p:cNvSpPr>
+          <p:nvPr>
+            <p:ph idx="1"/>
+          </p:nvPr>
+        </p:nvSpPr>
+        <p:spPr/>
+        <p:txBody>
+          <a:bodyPr/>
+          <a:lstStyle/>
+          <a:p>
+            <a:r>
               <a:rPr lang="en-US" dirty="0">
                 <a:hlinkClick r:id="rId2"/>
               </a:rPr>
@@ -3959,11 +4182,7 @@
           <a:p>
             <a:r>
               <a:rPr lang="en-US" dirty="0" smtClean="0"/>
-              <a:t>Will be using MySQL on the </a:t>
-            </a:r>
-            <a:r>
-              <a:rPr lang="en-US" dirty="0" smtClean="0"/>
-              <a:t>backend</a:t>
+              <a:t>Will be using MySQL on the backend</a:t>
             </a:r>
           </a:p>
           <a:p>
@@ -3995,7 +4214,6 @@
               <a:rPr lang="en-US" dirty="0" smtClean="0"/>
               <a:t> client) to allow application access to database</a:t>
             </a:r>
-            <a:endParaRPr lang="en-US" dirty="0" smtClean="0"/>
           </a:p>
           <a:p>
             <a:r>
@@ -6743,14 +6961,14 @@
           <p:nvPr>
             <p:extLst>
               <p:ext uri="{D42A27DB-BD31-4B8C-83A1-F6EECF244321}">
-                <p14:modId xmlns:p14="http://schemas.microsoft.com/office/powerpoint/2010/main" val="1555980285"/>
+                <p14:modId xmlns:p14="http://schemas.microsoft.com/office/powerpoint/2010/main" val="3955207737"/>
               </p:ext>
             </p:extLst>
           </p:nvPr>
         </p:nvGraphicFramePr>
         <p:xfrm>
           <a:off x="6071500" y="1948175"/>
-          <a:ext cx="2727292" cy="2194560"/>
+          <a:ext cx="2727292" cy="2377440"/>
         </p:xfrm>
         <a:graphic>
           <a:graphicData uri="http://schemas.openxmlformats.org/drawingml/2006/table">
@@ -6847,7 +7065,7 @@
                       </a:r>
                       <a:r>
                         <a:rPr lang="en-US" sz="1200" baseline="0" dirty="0" smtClean="0"/>
-                        <a:t> NN</a:t>
+                        <a:t> NN, UNIQUE</a:t>
                       </a:r>
                       <a:endParaRPr lang="en-US" sz="1200" dirty="0"/>
                     </a:p>
@@ -8085,7 +8303,7 @@
             <a:pPr algn="ctr"/>
             <a:r>
               <a:rPr lang="en-US" sz="1200" dirty="0" smtClean="0"/>
-              <a:t>View, add,</a:t>
+              <a:t>View, add, or update</a:t>
             </a:r>
             <a:r>
               <a:rPr lang="en-US" sz="1200" dirty="0"/>
@@ -8093,7 +8311,7 @@
             </a:r>
             <a:r>
               <a:rPr lang="en-US" sz="1200" dirty="0" smtClean="0"/>
-              <a:t>update, or delete layer?</a:t>
+              <a:t>layer?</a:t>
             </a:r>
             <a:endParaRPr lang="en-US" sz="1200" dirty="0"/>
           </a:p>
@@ -8179,7 +8397,7 @@
         </p:nvSpPr>
         <p:spPr>
           <a:xfrm>
-            <a:off x="601404" y="4707411"/>
+            <a:off x="949171" y="4718704"/>
             <a:ext cx="1515082" cy="768315"/>
           </a:xfrm>
           <a:prstGeom prst="flowChartProcess">
@@ -8221,7 +8439,7 @@
         </p:nvSpPr>
         <p:spPr>
           <a:xfrm>
-            <a:off x="2794087" y="4707411"/>
+            <a:off x="3810310" y="4718704"/>
             <a:ext cx="1515082" cy="768315"/>
           </a:xfrm>
           <a:prstGeom prst="flowChartProcess">
@@ -8263,7 +8481,7 @@
         </p:nvSpPr>
         <p:spPr>
           <a:xfrm>
-            <a:off x="4899271" y="4707411"/>
+            <a:off x="6414353" y="4697939"/>
             <a:ext cx="1515082" cy="768315"/>
           </a:xfrm>
           <a:prstGeom prst="flowChartProcess">
@@ -8292,48 +8510,6 @@
             <a:r>
               <a:rPr lang="en-US" sz="1200" dirty="0" smtClean="0"/>
               <a:t>Updates layer; chooses own layer, modifies details, and clicks update.</a:t>
-            </a:r>
-            <a:endParaRPr lang="en-US" sz="1200" dirty="0"/>
-          </a:p>
-        </p:txBody>
-      </p:sp>
-      <p:sp>
-        <p:nvSpPr>
-          <p:cNvPr id="30" name="Process 29"/>
-          <p:cNvSpPr/>
-          <p:nvPr/>
-        </p:nvSpPr>
-        <p:spPr>
-          <a:xfrm>
-            <a:off x="6966534" y="4706451"/>
-            <a:ext cx="1515082" cy="768315"/>
-          </a:xfrm>
-          <a:prstGeom prst="flowChartProcess">
-            <a:avLst/>
-          </a:prstGeom>
-        </p:spPr>
-        <p:style>
-          <a:lnRef idx="1">
-            <a:schemeClr val="accent1"/>
-          </a:lnRef>
-          <a:fillRef idx="3">
-            <a:schemeClr val="accent1"/>
-          </a:fillRef>
-          <a:effectRef idx="2">
-            <a:schemeClr val="accent1"/>
-          </a:effectRef>
-          <a:fontRef idx="minor">
-            <a:schemeClr val="lt1"/>
-          </a:fontRef>
-        </p:style>
-        <p:txBody>
-          <a:bodyPr rtlCol="0" anchor="ctr"/>
-          <a:lstStyle/>
-          <a:p>
-            <a:pPr algn="ctr"/>
-            <a:r>
-              <a:rPr lang="en-US" sz="1200" dirty="0" smtClean="0"/>
-              <a:t>Deletes layer; chooses own layer, and clicks delete.</a:t>
             </a:r>
             <a:endParaRPr lang="en-US" sz="1200" dirty="0"/>
           </a:p>
@@ -8350,8 +8526,8 @@
         </p:nvCxnSpPr>
         <p:spPr>
           <a:xfrm flipH="1">
-            <a:off x="1358945" y="4210054"/>
-            <a:ext cx="3198242" cy="497357"/>
+            <a:off x="1706712" y="4210054"/>
+            <a:ext cx="2850475" cy="508650"/>
           </a:xfrm>
           <a:prstGeom prst="straightConnector1">
             <a:avLst/>
@@ -8385,9 +8561,9 @@
           <p:nvPr/>
         </p:nvCxnSpPr>
         <p:spPr>
-          <a:xfrm flipH="1">
-            <a:off x="3551628" y="4210054"/>
-            <a:ext cx="1005559" cy="497357"/>
+          <a:xfrm>
+            <a:off x="4557187" y="4210054"/>
+            <a:ext cx="10664" cy="508650"/>
           </a:xfrm>
           <a:prstGeom prst="straightConnector1">
             <a:avLst/>
@@ -8423,7 +8599,7 @@
         <p:spPr>
           <a:xfrm>
             <a:off x="4557187" y="4210054"/>
-            <a:ext cx="1099625" cy="497357"/>
+            <a:ext cx="2614707" cy="487885"/>
           </a:xfrm>
           <a:prstGeom prst="straightConnector1">
             <a:avLst/>
@@ -8447,41 +8623,6 @@
           </a:fontRef>
         </p:style>
       </p:cxnSp>
-      <p:cxnSp>
-        <p:nvCxnSpPr>
-          <p:cNvPr id="38" name="Straight Arrow Connector 37"/>
-          <p:cNvCxnSpPr>
-            <a:stCxn id="22" idx="2"/>
-          </p:cNvCxnSpPr>
-          <p:nvPr/>
-        </p:nvCxnSpPr>
-        <p:spPr>
-          <a:xfrm>
-            <a:off x="4557187" y="4210054"/>
-            <a:ext cx="3281647" cy="497357"/>
-          </a:xfrm>
-          <a:prstGeom prst="straightConnector1">
-            <a:avLst/>
-          </a:prstGeom>
-          <a:ln>
-            <a:tailEnd type="arrow"/>
-          </a:ln>
-        </p:spPr>
-        <p:style>
-          <a:lnRef idx="2">
-            <a:schemeClr val="accent1"/>
-          </a:lnRef>
-          <a:fillRef idx="0">
-            <a:schemeClr val="accent1"/>
-          </a:fillRef>
-          <a:effectRef idx="1">
-            <a:schemeClr val="accent1"/>
-          </a:effectRef>
-          <a:fontRef idx="minor">
-            <a:schemeClr val="tx1"/>
-          </a:fontRef>
-        </p:style>
-      </p:cxnSp>
       <p:sp>
         <p:nvSpPr>
           <p:cNvPr id="41" name="TextBox 40"/>
@@ -8520,7 +8661,7 @@
         </p:nvSpPr>
         <p:spPr>
           <a:xfrm>
-            <a:off x="4044838" y="4362454"/>
+            <a:off x="4133316" y="4383994"/>
             <a:ext cx="992069" cy="276999"/>
           </a:xfrm>
           <a:prstGeom prst="rect">
@@ -8550,7 +8691,7 @@
         </p:nvSpPr>
         <p:spPr>
           <a:xfrm>
-            <a:off x="4463757" y="4348553"/>
+            <a:off x="5794343" y="4223954"/>
             <a:ext cx="992069" cy="276999"/>
           </a:xfrm>
           <a:prstGeom prst="rect">
@@ -8567,36 +8708,6 @@
             <a:r>
               <a:rPr lang="en-US" sz="1200" dirty="0" smtClean="0"/>
               <a:t>Update</a:t>
-            </a:r>
-            <a:endParaRPr lang="en-US" sz="1200" dirty="0"/>
-          </a:p>
-        </p:txBody>
-      </p:sp>
-      <p:sp>
-        <p:nvSpPr>
-          <p:cNvPr id="44" name="TextBox 43"/>
-          <p:cNvSpPr txBox="1"/>
-          <p:nvPr/>
-        </p:nvSpPr>
-        <p:spPr>
-          <a:xfrm>
-            <a:off x="6156946" y="4210053"/>
-            <a:ext cx="992069" cy="276999"/>
-          </a:xfrm>
-          <a:prstGeom prst="rect">
-            <a:avLst/>
-          </a:prstGeom>
-          <a:noFill/>
-        </p:spPr>
-        <p:txBody>
-          <a:bodyPr wrap="square" rtlCol="0">
-            <a:spAutoFit/>
-          </a:bodyPr>
-          <a:lstStyle/>
-          <a:p>
-            <a:r>
-              <a:rPr lang="en-US" sz="1200" dirty="0" smtClean="0"/>
-              <a:t>Delete</a:t>
             </a:r>
             <a:endParaRPr lang="en-US" sz="1200" dirty="0"/>
           </a:p>
@@ -8697,8 +8808,8 @@
         </p:nvCxnSpPr>
         <p:spPr>
           <a:xfrm>
-            <a:off x="1358945" y="5475726"/>
-            <a:ext cx="3233516" cy="604724"/>
+            <a:off x="1706712" y="5487019"/>
+            <a:ext cx="2885749" cy="593431"/>
           </a:xfrm>
           <a:prstGeom prst="straightConnector1">
             <a:avLst/>
@@ -8733,8 +8844,8 @@
         </p:nvCxnSpPr>
         <p:spPr>
           <a:xfrm>
-            <a:off x="3551628" y="5475726"/>
-            <a:ext cx="1040833" cy="604724"/>
+            <a:off x="4567851" y="5487019"/>
+            <a:ext cx="24610" cy="593431"/>
           </a:xfrm>
           <a:prstGeom prst="straightConnector1">
             <a:avLst/>
@@ -8769,44 +8880,8 @@
         </p:nvCxnSpPr>
         <p:spPr>
           <a:xfrm flipH="1">
-            <a:off x="4592461" y="5475726"/>
-            <a:ext cx="1064351" cy="604724"/>
-          </a:xfrm>
-          <a:prstGeom prst="straightConnector1">
-            <a:avLst/>
-          </a:prstGeom>
-          <a:ln>
-            <a:tailEnd type="arrow"/>
-          </a:ln>
-        </p:spPr>
-        <p:style>
-          <a:lnRef idx="2">
-            <a:schemeClr val="accent1"/>
-          </a:lnRef>
-          <a:fillRef idx="0">
-            <a:schemeClr val="accent1"/>
-          </a:fillRef>
-          <a:effectRef idx="1">
-            <a:schemeClr val="accent1"/>
-          </a:effectRef>
-          <a:fontRef idx="minor">
-            <a:schemeClr val="tx1"/>
-          </a:fontRef>
-        </p:style>
-      </p:cxnSp>
-      <p:cxnSp>
-        <p:nvCxnSpPr>
-          <p:cNvPr id="59" name="Straight Arrow Connector 58"/>
-          <p:cNvCxnSpPr>
-            <a:stCxn id="30" idx="2"/>
-            <a:endCxn id="50" idx="0"/>
-          </p:cNvCxnSpPr>
-          <p:nvPr/>
-        </p:nvCxnSpPr>
-        <p:spPr>
-          <a:xfrm flipH="1">
-            <a:off x="4592461" y="5474766"/>
-            <a:ext cx="3131614" cy="605684"/>
+            <a:off x="4592461" y="5466254"/>
+            <a:ext cx="2579433" cy="614196"/>
           </a:xfrm>
           <a:prstGeom prst="straightConnector1">
             <a:avLst/>
@@ -8877,7 +8952,7 @@
           <a:p>
             <a:r>
               <a:rPr lang="en-US" dirty="0" smtClean="0"/>
-              <a:t>Upload a Track</a:t>
+              <a:t>Upload a Layer</a:t>
             </a:r>
             <a:endParaRPr lang="en-US" dirty="0"/>
           </a:p>
@@ -8901,7 +8976,7 @@
         </p:spPr>
         <p:txBody>
           <a:bodyPr>
-            <a:normAutofit fontScale="62500" lnSpcReduction="20000"/>
+            <a:normAutofit fontScale="55000" lnSpcReduction="20000"/>
           </a:bodyPr>
           <a:lstStyle/>
           <a:p>
@@ -9080,6 +9155,13 @@
             <a:r>
               <a:rPr lang="en-US" dirty="0" smtClean="0"/>
               <a:t>NEED BOTH AND NEED NEW RECORDS IN LAYER_JUNCTION FOR EACH LAYER WANT TO LINK TO</a:t>
+            </a:r>
+          </a:p>
+          <a:p>
+            <a:pPr lvl="2"/>
+            <a:r>
+              <a:rPr lang="en-US" dirty="0" smtClean="0"/>
+              <a:t>User cannot modify this relationship after it is created due to the fact that is it now part of the family tree for that layer</a:t>
             </a:r>
           </a:p>
           <a:p>
@@ -9134,7 +9216,7 @@
           <a:p>
             <a:r>
               <a:rPr lang="en-US" dirty="0" smtClean="0"/>
-              <a:t>Edit a Track</a:t>
+              <a:t>Edit a Layer</a:t>
             </a:r>
             <a:endParaRPr lang="en-US" dirty="0"/>
           </a:p>
@@ -9153,20 +9235,19 @@
         <p:spPr/>
         <p:txBody>
           <a:bodyPr>
-            <a:normAutofit lnSpcReduction="10000"/>
+            <a:normAutofit/>
           </a:bodyPr>
           <a:lstStyle/>
           <a:p>
             <a:r>
               <a:rPr lang="en-US" dirty="0" smtClean="0"/>
-              <a:t>Change Layer name (title)</a:t>
-            </a:r>
-          </a:p>
-          <a:p>
-            <a:r>
-              <a:rPr lang="en-US" dirty="0" smtClean="0"/>
-              <a:t>Change Layer File path</a:t>
-            </a:r>
+              <a:t>Change Layer name (</a:t>
+            </a:r>
+            <a:r>
+              <a:rPr lang="en-US" smtClean="0"/>
+              <a:t>title)</a:t>
+            </a:r>
+            <a:endParaRPr lang="en-US" dirty="0" smtClean="0"/>
           </a:p>
           <a:p>
             <a:r>

--- a/Project Progress Report.pptx
+++ b/Project Progress Report.pptx
@@ -3875,11 +3875,7 @@
           <a:p>
             <a:r>
               <a:rPr lang="en-US" dirty="0" smtClean="0"/>
-              <a:t>User enters information into the provided boxes and clicks Create </a:t>
-            </a:r>
-            <a:r>
-              <a:rPr lang="en-US" dirty="0" smtClean="0"/>
-              <a:t>Account</a:t>
+              <a:t>User enters information into the provided boxes and clicks Create Account</a:t>
             </a:r>
           </a:p>
           <a:p>
@@ -3895,29 +3891,12 @@
               <a:rPr lang="en-US" dirty="0" smtClean="0"/>
               <a:t>Username, User Password, First Name, Last Name, Date of Birth</a:t>
             </a:r>
-            <a:endParaRPr lang="en-US" dirty="0" smtClean="0"/>
           </a:p>
           <a:p>
             <a:pPr lvl="1"/>
             <a:r>
               <a:rPr lang="en-US" dirty="0" smtClean="0"/>
-              <a:t>A new </a:t>
-            </a:r>
-            <a:r>
-              <a:rPr lang="en-US" dirty="0" smtClean="0"/>
-              <a:t>user record </a:t>
-            </a:r>
-            <a:r>
-              <a:rPr lang="en-US" dirty="0" smtClean="0"/>
-              <a:t>is created in </a:t>
-            </a:r>
-            <a:r>
-              <a:rPr lang="en-US" dirty="0" smtClean="0"/>
-              <a:t>the User table in the </a:t>
-            </a:r>
-            <a:r>
-              <a:rPr lang="en-US" dirty="0" smtClean="0"/>
-              <a:t>database with all of the provided information</a:t>
+              <a:t>A new user record is created in the User table in the database with all of the provided information</a:t>
             </a:r>
             <a:endParaRPr lang="en-US" dirty="0"/>
           </a:p>
@@ -3993,13 +3972,36 @@
           <a:p>
             <a:r>
               <a:rPr lang="en-US" dirty="0" smtClean="0"/>
-              <a:t>User can see own songs</a:t>
-            </a:r>
-          </a:p>
-          <a:p>
+              <a:t>User can see own </a:t>
+            </a:r>
             <a:r>
               <a:rPr lang="en-US" dirty="0" smtClean="0"/>
-              <a:t>User can see all songs in the database</a:t>
+              <a:t>layers</a:t>
+            </a:r>
+            <a:endParaRPr lang="en-US" dirty="0" smtClean="0"/>
+          </a:p>
+          <a:p>
+            <a:r>
+              <a:rPr lang="en-US" dirty="0" smtClean="0"/>
+              <a:t>User can see all </a:t>
+            </a:r>
+            <a:r>
+              <a:rPr lang="en-US" dirty="0" smtClean="0"/>
+              <a:t>layers in </a:t>
+            </a:r>
+            <a:r>
+              <a:rPr lang="en-US" dirty="0" smtClean="0"/>
+              <a:t>the </a:t>
+            </a:r>
+            <a:r>
+              <a:rPr lang="en-US" dirty="0" smtClean="0"/>
+              <a:t>database</a:t>
+            </a:r>
+          </a:p>
+          <a:p>
+            <a:r>
+              <a:rPr lang="en-US" dirty="0" smtClean="0"/>
+              <a:t>User can see links to the linked layers for a particular layer</a:t>
             </a:r>
             <a:endParaRPr lang="en-US" dirty="0"/>
           </a:p>
